--- a/Français/5.DAX/1.Related and Related Table.pptx
+++ b/Français/5.DAX/1.Related and Related Table.pptx
@@ -201,7 +201,7 @@
           <a:p>
             <a:fld id="{056BA3B8-9F76-4D81-B71D-76CB85363062}" type="datetimeFigureOut">
               <a:rPr lang="en-US" smtClean="0"/>
-              <a:t>2/26/2025</a:t>
+              <a:t>3/6/2025</a:t>
             </a:fld>
             <a:endParaRPr lang="en-US"/>
           </a:p>
@@ -600,7 +600,7 @@
           <a:p>
             <a:fld id="{6F01DA4D-20EA-48D2-973C-0311EC3005D6}" type="datetimeFigureOut">
               <a:rPr lang="en-US" smtClean="0"/>
-              <a:t>2/26/2025</a:t>
+              <a:t>3/6/2025</a:t>
             </a:fld>
             <a:endParaRPr lang="en-US"/>
           </a:p>
@@ -770,7 +770,7 @@
           <a:p>
             <a:fld id="{6F01DA4D-20EA-48D2-973C-0311EC3005D6}" type="datetimeFigureOut">
               <a:rPr lang="en-US" smtClean="0"/>
-              <a:t>2/26/2025</a:t>
+              <a:t>3/6/2025</a:t>
             </a:fld>
             <a:endParaRPr lang="en-US"/>
           </a:p>
@@ -950,7 +950,7 @@
           <a:p>
             <a:fld id="{6F01DA4D-20EA-48D2-973C-0311EC3005D6}" type="datetimeFigureOut">
               <a:rPr lang="en-US" smtClean="0"/>
-              <a:t>2/26/2025</a:t>
+              <a:t>3/6/2025</a:t>
             </a:fld>
             <a:endParaRPr lang="en-US"/>
           </a:p>
@@ -1120,7 +1120,7 @@
           <a:p>
             <a:fld id="{6F01DA4D-20EA-48D2-973C-0311EC3005D6}" type="datetimeFigureOut">
               <a:rPr lang="en-US" smtClean="0"/>
-              <a:t>2/26/2025</a:t>
+              <a:t>3/6/2025</a:t>
             </a:fld>
             <a:endParaRPr lang="en-US"/>
           </a:p>
@@ -1366,7 +1366,7 @@
           <a:p>
             <a:fld id="{6F01DA4D-20EA-48D2-973C-0311EC3005D6}" type="datetimeFigureOut">
               <a:rPr lang="en-US" smtClean="0"/>
-              <a:t>2/26/2025</a:t>
+              <a:t>3/6/2025</a:t>
             </a:fld>
             <a:endParaRPr lang="en-US"/>
           </a:p>
@@ -1598,7 +1598,7 @@
           <a:p>
             <a:fld id="{6F01DA4D-20EA-48D2-973C-0311EC3005D6}" type="datetimeFigureOut">
               <a:rPr lang="en-US" smtClean="0"/>
-              <a:t>2/26/2025</a:t>
+              <a:t>3/6/2025</a:t>
             </a:fld>
             <a:endParaRPr lang="en-US"/>
           </a:p>
@@ -1965,7 +1965,7 @@
           <a:p>
             <a:fld id="{6F01DA4D-20EA-48D2-973C-0311EC3005D6}" type="datetimeFigureOut">
               <a:rPr lang="en-US" smtClean="0"/>
-              <a:t>2/26/2025</a:t>
+              <a:t>3/6/2025</a:t>
             </a:fld>
             <a:endParaRPr lang="en-US"/>
           </a:p>
@@ -2083,7 +2083,7 @@
           <a:p>
             <a:fld id="{6F01DA4D-20EA-48D2-973C-0311EC3005D6}" type="datetimeFigureOut">
               <a:rPr lang="en-US" smtClean="0"/>
-              <a:t>2/26/2025</a:t>
+              <a:t>3/6/2025</a:t>
             </a:fld>
             <a:endParaRPr lang="en-US"/>
           </a:p>
@@ -2178,7 +2178,7 @@
           <a:p>
             <a:fld id="{6F01DA4D-20EA-48D2-973C-0311EC3005D6}" type="datetimeFigureOut">
               <a:rPr lang="en-US" smtClean="0"/>
-              <a:t>2/26/2025</a:t>
+              <a:t>3/6/2025</a:t>
             </a:fld>
             <a:endParaRPr lang="en-US"/>
           </a:p>
@@ -2455,7 +2455,7 @@
           <a:p>
             <a:fld id="{6F01DA4D-20EA-48D2-973C-0311EC3005D6}" type="datetimeFigureOut">
               <a:rPr lang="en-US" smtClean="0"/>
-              <a:t>2/26/2025</a:t>
+              <a:t>3/6/2025</a:t>
             </a:fld>
             <a:endParaRPr lang="en-US"/>
           </a:p>
@@ -2708,7 +2708,7 @@
           <a:p>
             <a:fld id="{6F01DA4D-20EA-48D2-973C-0311EC3005D6}" type="datetimeFigureOut">
               <a:rPr lang="en-US" smtClean="0"/>
-              <a:t>2/26/2025</a:t>
+              <a:t>3/6/2025</a:t>
             </a:fld>
             <a:endParaRPr lang="en-US"/>
           </a:p>
@@ -2921,7 +2921,7 @@
           <a:p>
             <a:fld id="{6F01DA4D-20EA-48D2-973C-0311EC3005D6}" type="datetimeFigureOut">
               <a:rPr lang="en-US" smtClean="0"/>
-              <a:t>2/26/2025</a:t>
+              <a:t>3/6/2025</a:t>
             </a:fld>
             <a:endParaRPr lang="en-US"/>
           </a:p>
@@ -3366,29 +3366,7 @@
                 <a:ea typeface="Verdana" panose="020B0604030504040204" pitchFamily="34" charset="0"/>
                 <a:cs typeface="Segoe UI" panose="020B0502040204020203" pitchFamily="34" charset="0"/>
               </a:rPr>
-              <a:t>Related </a:t>
-            </a:r>
-            <a:r>
-              <a:rPr lang="en-US" sz="8000" b="1" dirty="0" smtClean="0">
-                <a:solidFill>
-                  <a:srgbClr val="7030A0"/>
-                </a:solidFill>
-                <a:latin typeface="Segoe UI" panose="020B0502040204020203" pitchFamily="34" charset="0"/>
-                <a:ea typeface="Verdana" panose="020B0604030504040204" pitchFamily="34" charset="0"/>
-                <a:cs typeface="Segoe UI" panose="020B0502040204020203" pitchFamily="34" charset="0"/>
-              </a:rPr>
-              <a:t>&amp; </a:t>
-            </a:r>
-            <a:r>
-              <a:rPr lang="en-US" sz="8000" b="1" dirty="0" smtClean="0">
-                <a:solidFill>
-                  <a:srgbClr val="7030A0"/>
-                </a:solidFill>
-                <a:latin typeface="Segoe UI" panose="020B0502040204020203" pitchFamily="34" charset="0"/>
-                <a:ea typeface="Verdana" panose="020B0604030504040204" pitchFamily="34" charset="0"/>
-                <a:cs typeface="Segoe UI" panose="020B0502040204020203" pitchFamily="34" charset="0"/>
-              </a:rPr>
-              <a:t>Related table</a:t>
+              <a:t>Related &amp; Related table</a:t>
             </a:r>
             <a:endParaRPr lang="en-US" sz="8000" b="1" dirty="0">
               <a:solidFill>
@@ -3433,40 +3411,7 @@
                 <a:ea typeface="Verdana" panose="020B0604030504040204" pitchFamily="34" charset="0"/>
                 <a:cs typeface="Segoe UI" panose="020B0502040204020203" pitchFamily="34" charset="0"/>
               </a:rPr>
-              <a:t>Related </a:t>
-            </a:r>
-            <a:r>
-              <a:rPr lang="en-US" sz="8000" b="1" dirty="0" smtClean="0">
-                <a:solidFill>
-                  <a:schemeClr val="bg1"/>
-                </a:solidFill>
-                <a:latin typeface="Segoe UI" panose="020B0502040204020203" pitchFamily="34" charset="0"/>
-                <a:ea typeface="Verdana" panose="020B0604030504040204" pitchFamily="34" charset="0"/>
-                <a:cs typeface="Segoe UI" panose="020B0502040204020203" pitchFamily="34" charset="0"/>
-              </a:rPr>
-              <a:t>&amp; </a:t>
-            </a:r>
-            <a:r>
-              <a:rPr lang="en-US" sz="8000" b="1" dirty="0" smtClean="0">
-                <a:solidFill>
-                  <a:schemeClr val="bg1"/>
-                </a:solidFill>
-                <a:latin typeface="Segoe UI" panose="020B0502040204020203" pitchFamily="34" charset="0"/>
-                <a:ea typeface="Verdana" panose="020B0604030504040204" pitchFamily="34" charset="0"/>
-                <a:cs typeface="Segoe UI" panose="020B0502040204020203" pitchFamily="34" charset="0"/>
-              </a:rPr>
-              <a:t>Related </a:t>
-            </a:r>
-            <a:r>
-              <a:rPr lang="en-US" sz="8000" b="1" dirty="0" smtClean="0">
-                <a:solidFill>
-                  <a:schemeClr val="bg1"/>
-                </a:solidFill>
-                <a:latin typeface="Segoe UI" panose="020B0502040204020203" pitchFamily="34" charset="0"/>
-                <a:ea typeface="Verdana" panose="020B0604030504040204" pitchFamily="34" charset="0"/>
-                <a:cs typeface="Segoe UI" panose="020B0502040204020203" pitchFamily="34" charset="0"/>
-              </a:rPr>
-              <a:t>table</a:t>
+              <a:t>Related &amp; Related table</a:t>
             </a:r>
             <a:endParaRPr lang="en-US" sz="8000" b="1" dirty="0">
               <a:solidFill>
@@ -3662,12 +3607,16 @@
               <a:t> et </a:t>
             </a:r>
             <a:r>
-              <a:rPr lang="fr-FR" sz="2000" b="1" dirty="0" err="1"/>
-              <a:t>FactInterneSales</a:t>
+              <a:rPr lang="fr-FR" sz="2000" b="1" dirty="0" err="1" smtClean="0"/>
+              <a:t>FactSales</a:t>
+            </a:r>
+            <a:r>
+              <a:rPr lang="fr-FR" sz="2000" dirty="0" smtClean="0"/>
+              <a:t> </a:t>
             </a:r>
             <a:r>
               <a:rPr lang="fr-FR" sz="2000" dirty="0"/>
-              <a:t> est de type un à plusieurs.</a:t>
+              <a:t>est de type un à plusieurs.</a:t>
             </a:r>
             <a:endParaRPr lang="en-US" sz="2000" dirty="0"/>
           </a:p>
@@ -4022,12 +3971,16 @@
               <a:t>Ajoutez une nouvelle colonne calculée à la table </a:t>
             </a:r>
             <a:r>
-              <a:rPr lang="fr-FR" sz="2000" b="1" dirty="0" err="1"/>
-              <a:t>FactInternetSales</a:t>
+              <a:rPr lang="fr-FR" sz="2000" b="1" dirty="0" err="1" smtClean="0"/>
+              <a:t>FactSales</a:t>
+            </a:r>
+            <a:r>
+              <a:rPr lang="fr-FR" sz="2000" dirty="0" smtClean="0"/>
+              <a:t> </a:t>
             </a:r>
             <a:r>
               <a:rPr lang="fr-FR" sz="2000" dirty="0"/>
-              <a:t> appelée </a:t>
+              <a:t>appelée </a:t>
             </a:r>
             <a:r>
               <a:rPr lang="fr-FR" sz="2000" b="1" dirty="0"/>
@@ -4075,8 +4028,8 @@
               <a:t>doit être située au niveau de la table </a:t>
             </a:r>
             <a:r>
-              <a:rPr lang="fr-FR" b="1" dirty="0" err="1"/>
-              <a:t>FactInternetSales</a:t>
+              <a:rPr lang="fr-FR" b="1" dirty="0" err="1" smtClean="0"/>
+              <a:t>FactSales</a:t>
             </a:r>
             <a:r>
               <a:rPr lang="fr-FR" dirty="0"/>
